--- a/Code/Results/Result_RQ0/Result_S0/Results_Zheng.pptx
+++ b/Code/Results/Result_RQ0/Result_S0/Results_Zheng.pptx
@@ -5427,58 +5427,6 @@
           </a:prstGeom>
         </p:spPr>
       </p:pic>
-      <p:sp>
-        <p:nvSpPr>
-          <p:cNvPr id="14" name="矩形 13">
-            <a:extLst>
-              <a:ext uri="{FF2B5EF4-FFF2-40B4-BE49-F238E27FC236}">
-                <a16:creationId xmlns:a16="http://schemas.microsoft.com/office/drawing/2014/main" id="{DF948441-187B-95A1-4506-53FA5A25A90D}"/>
-              </a:ext>
-            </a:extLst>
-          </p:cNvPr>
-          <p:cNvSpPr/>
-          <p:nvPr/>
-        </p:nvSpPr>
-        <p:spPr>
-          <a:xfrm>
-            <a:off x="6822831" y="464614"/>
-            <a:ext cx="281354" cy="4606377"/>
-          </a:xfrm>
-          <a:prstGeom prst="rect">
-            <a:avLst/>
-          </a:prstGeom>
-          <a:noFill/>
-          <a:ln w="34925">
-            <a:solidFill>
-              <a:srgbClr val="C00000"/>
-            </a:solidFill>
-          </a:ln>
-        </p:spPr>
-        <p:style>
-          <a:lnRef idx="2">
-            <a:schemeClr val="accent1">
-              <a:shade val="15000"/>
-            </a:schemeClr>
-          </a:lnRef>
-          <a:fillRef idx="1">
-            <a:schemeClr val="accent1"/>
-          </a:fillRef>
-          <a:effectRef idx="0">
-            <a:schemeClr val="accent1"/>
-          </a:effectRef>
-          <a:fontRef idx="minor">
-            <a:schemeClr val="lt1"/>
-          </a:fontRef>
-        </p:style>
-        <p:txBody>
-          <a:bodyPr rtlCol="0" anchor="ctr"/>
-          <a:lstStyle/>
-          <a:p>
-            <a:pPr algn="ctr"/>
-            <a:endParaRPr kumimoji="1" lang="zh-CN" altLang="en-US"/>
-          </a:p>
-        </p:txBody>
-      </p:sp>
       <p:pic>
         <p:nvPicPr>
           <p:cNvPr id="17" name="图片 16">
